--- a/zkdoc/styleguide/timebox-jeff.pptx
+++ b/zkdoc/styleguide/timebox-jeff.pptx
@@ -159,7 +159,7 @@
             </a:lvl1pPr>
           </a:lstStyle>
           <a:p>
-            <a:endParaRPr lang="en-US"/>
+            <a:endParaRPr lang="en-US" dirty="0"/>
           </a:p>
         </p:txBody>
       </p:sp>
@@ -195,7 +195,7 @@
               <a:pPr/>
               <a:t>1/21/2008</a:t>
             </a:fld>
-            <a:endParaRPr lang="en-US"/>
+            <a:endParaRPr lang="en-US" dirty="0"/>
           </a:p>
         </p:txBody>
       </p:sp>
@@ -228,7 +228,7 @@
           <a:bodyPr vert="horz" lIns="91440" tIns="45720" rIns="91440" bIns="45720" rtlCol="0" anchor="ctr"/>
           <a:lstStyle/>
           <a:p>
-            <a:endParaRPr lang="en-US"/>
+            <a:endParaRPr lang="en-US" dirty="0"/>
           </a:p>
         </p:txBody>
       </p:sp>
@@ -321,7 +321,7 @@
             </a:lvl1pPr>
           </a:lstStyle>
           <a:p>
-            <a:endParaRPr lang="en-US"/>
+            <a:endParaRPr lang="en-US" dirty="0"/>
           </a:p>
         </p:txBody>
       </p:sp>
@@ -357,7 +357,7 @@
               <a:pPr/>
               <a:t>‹#›</a:t>
             </a:fld>
-            <a:endParaRPr lang="en-US"/>
+            <a:endParaRPr lang="en-US" dirty="0"/>
           </a:p>
         </p:txBody>
       </p:sp>
@@ -505,7 +505,7 @@
           </a:bodyPr>
           <a:lstStyle/>
           <a:p>
-            <a:endParaRPr lang="en-US"/>
+            <a:endParaRPr lang="en-US" dirty="0"/>
           </a:p>
         </p:txBody>
       </p:sp>
@@ -529,7 +529,7 @@
               <a:pPr/>
               <a:t>1</a:t>
             </a:fld>
-            <a:endParaRPr lang="en-US"/>
+            <a:endParaRPr lang="en-US" dirty="0"/>
           </a:p>
         </p:txBody>
       </p:sp>
@@ -725,7 +725,7 @@
               <a:pPr/>
               <a:t>1/21/2008</a:t>
             </a:fld>
-            <a:endParaRPr lang="en-US"/>
+            <a:endParaRPr lang="en-US" dirty="0"/>
           </a:p>
         </p:txBody>
       </p:sp>
@@ -744,7 +744,7 @@
           <a:bodyPr/>
           <a:lstStyle/>
           <a:p>
-            <a:endParaRPr lang="en-US"/>
+            <a:endParaRPr lang="en-US" dirty="0"/>
           </a:p>
         </p:txBody>
       </p:sp>
@@ -768,7 +768,7 @@
               <a:pPr/>
               <a:t>‹#›</a:t>
             </a:fld>
-            <a:endParaRPr lang="en-US"/>
+            <a:endParaRPr lang="en-US" dirty="0"/>
           </a:p>
         </p:txBody>
       </p:sp>
@@ -892,7 +892,7 @@
               <a:pPr/>
               <a:t>1/21/2008</a:t>
             </a:fld>
-            <a:endParaRPr lang="en-US"/>
+            <a:endParaRPr lang="en-US" dirty="0"/>
           </a:p>
         </p:txBody>
       </p:sp>
@@ -911,7 +911,7 @@
           <a:bodyPr/>
           <a:lstStyle/>
           <a:p>
-            <a:endParaRPr lang="en-US"/>
+            <a:endParaRPr lang="en-US" dirty="0"/>
           </a:p>
         </p:txBody>
       </p:sp>
@@ -935,7 +935,7 @@
               <a:pPr/>
               <a:t>‹#›</a:t>
             </a:fld>
-            <a:endParaRPr lang="en-US"/>
+            <a:endParaRPr lang="en-US" dirty="0"/>
           </a:p>
         </p:txBody>
       </p:sp>
@@ -1069,7 +1069,7 @@
               <a:pPr/>
               <a:t>1/21/2008</a:t>
             </a:fld>
-            <a:endParaRPr lang="en-US"/>
+            <a:endParaRPr lang="en-US" dirty="0"/>
           </a:p>
         </p:txBody>
       </p:sp>
@@ -1088,7 +1088,7 @@
           <a:bodyPr/>
           <a:lstStyle/>
           <a:p>
-            <a:endParaRPr lang="en-US"/>
+            <a:endParaRPr lang="en-US" dirty="0"/>
           </a:p>
         </p:txBody>
       </p:sp>
@@ -1112,7 +1112,7 @@
               <a:pPr/>
               <a:t>‹#›</a:t>
             </a:fld>
-            <a:endParaRPr lang="en-US"/>
+            <a:endParaRPr lang="en-US" dirty="0"/>
           </a:p>
         </p:txBody>
       </p:sp>
@@ -1236,7 +1236,7 @@
               <a:pPr/>
               <a:t>1/21/2008</a:t>
             </a:fld>
-            <a:endParaRPr lang="en-US"/>
+            <a:endParaRPr lang="en-US" dirty="0"/>
           </a:p>
         </p:txBody>
       </p:sp>
@@ -1255,7 +1255,7 @@
           <a:bodyPr/>
           <a:lstStyle/>
           <a:p>
-            <a:endParaRPr lang="en-US"/>
+            <a:endParaRPr lang="en-US" dirty="0"/>
           </a:p>
         </p:txBody>
       </p:sp>
@@ -1279,7 +1279,7 @@
               <a:pPr/>
               <a:t>‹#›</a:t>
             </a:fld>
-            <a:endParaRPr lang="en-US"/>
+            <a:endParaRPr lang="en-US" dirty="0"/>
           </a:p>
         </p:txBody>
       </p:sp>
@@ -1479,7 +1479,7 @@
               <a:pPr/>
               <a:t>1/21/2008</a:t>
             </a:fld>
-            <a:endParaRPr lang="en-US"/>
+            <a:endParaRPr lang="en-US" dirty="0"/>
           </a:p>
         </p:txBody>
       </p:sp>
@@ -1498,7 +1498,7 @@
           <a:bodyPr/>
           <a:lstStyle/>
           <a:p>
-            <a:endParaRPr lang="en-US"/>
+            <a:endParaRPr lang="en-US" dirty="0"/>
           </a:p>
         </p:txBody>
       </p:sp>
@@ -1522,7 +1522,7 @@
               <a:pPr/>
               <a:t>‹#›</a:t>
             </a:fld>
-            <a:endParaRPr lang="en-US"/>
+            <a:endParaRPr lang="en-US" dirty="0"/>
           </a:p>
         </p:txBody>
       </p:sp>
@@ -1764,7 +1764,7 @@
               <a:pPr/>
               <a:t>1/21/2008</a:t>
             </a:fld>
-            <a:endParaRPr lang="en-US"/>
+            <a:endParaRPr lang="en-US" dirty="0"/>
           </a:p>
         </p:txBody>
       </p:sp>
@@ -1783,7 +1783,7 @@
           <a:bodyPr/>
           <a:lstStyle/>
           <a:p>
-            <a:endParaRPr lang="en-US"/>
+            <a:endParaRPr lang="en-US" dirty="0"/>
           </a:p>
         </p:txBody>
       </p:sp>
@@ -1807,7 +1807,7 @@
               <a:pPr/>
               <a:t>‹#›</a:t>
             </a:fld>
-            <a:endParaRPr lang="en-US"/>
+            <a:endParaRPr lang="en-US" dirty="0"/>
           </a:p>
         </p:txBody>
       </p:sp>
@@ -2183,7 +2183,7 @@
               <a:pPr/>
               <a:t>1/21/2008</a:t>
             </a:fld>
-            <a:endParaRPr lang="en-US"/>
+            <a:endParaRPr lang="en-US" dirty="0"/>
           </a:p>
         </p:txBody>
       </p:sp>
@@ -2202,7 +2202,7 @@
           <a:bodyPr/>
           <a:lstStyle/>
           <a:p>
-            <a:endParaRPr lang="en-US"/>
+            <a:endParaRPr lang="en-US" dirty="0"/>
           </a:p>
         </p:txBody>
       </p:sp>
@@ -2226,7 +2226,7 @@
               <a:pPr/>
               <a:t>‹#›</a:t>
             </a:fld>
-            <a:endParaRPr lang="en-US"/>
+            <a:endParaRPr lang="en-US" dirty="0"/>
           </a:p>
         </p:txBody>
       </p:sp>
@@ -2298,7 +2298,7 @@
               <a:pPr/>
               <a:t>1/21/2008</a:t>
             </a:fld>
-            <a:endParaRPr lang="en-US"/>
+            <a:endParaRPr lang="en-US" dirty="0"/>
           </a:p>
         </p:txBody>
       </p:sp>
@@ -2317,7 +2317,7 @@
           <a:bodyPr/>
           <a:lstStyle/>
           <a:p>
-            <a:endParaRPr lang="en-US"/>
+            <a:endParaRPr lang="en-US" dirty="0"/>
           </a:p>
         </p:txBody>
       </p:sp>
@@ -2341,7 +2341,7 @@
               <a:pPr/>
               <a:t>‹#›</a:t>
             </a:fld>
-            <a:endParaRPr lang="en-US"/>
+            <a:endParaRPr lang="en-US" dirty="0"/>
           </a:p>
         </p:txBody>
       </p:sp>
@@ -2390,7 +2390,7 @@
               <a:pPr/>
               <a:t>1/21/2008</a:t>
             </a:fld>
-            <a:endParaRPr lang="en-US"/>
+            <a:endParaRPr lang="en-US" dirty="0"/>
           </a:p>
         </p:txBody>
       </p:sp>
@@ -2409,7 +2409,7 @@
           <a:bodyPr/>
           <a:lstStyle/>
           <a:p>
-            <a:endParaRPr lang="en-US"/>
+            <a:endParaRPr lang="en-US" dirty="0"/>
           </a:p>
         </p:txBody>
       </p:sp>
@@ -2433,7 +2433,7 @@
               <a:pPr/>
               <a:t>‹#›</a:t>
             </a:fld>
-            <a:endParaRPr lang="en-US"/>
+            <a:endParaRPr lang="en-US" dirty="0"/>
           </a:p>
         </p:txBody>
       </p:sp>
@@ -2664,7 +2664,7 @@
               <a:pPr/>
               <a:t>1/21/2008</a:t>
             </a:fld>
-            <a:endParaRPr lang="en-US"/>
+            <a:endParaRPr lang="en-US" dirty="0"/>
           </a:p>
         </p:txBody>
       </p:sp>
@@ -2683,7 +2683,7 @@
           <a:bodyPr/>
           <a:lstStyle/>
           <a:p>
-            <a:endParaRPr lang="en-US"/>
+            <a:endParaRPr lang="en-US" dirty="0"/>
           </a:p>
         </p:txBody>
       </p:sp>
@@ -2707,7 +2707,7 @@
               <a:pPr/>
               <a:t>‹#›</a:t>
             </a:fld>
-            <a:endParaRPr lang="en-US"/>
+            <a:endParaRPr lang="en-US" dirty="0"/>
           </a:p>
         </p:txBody>
       </p:sp>
@@ -2825,7 +2825,7 @@
             </a:lvl9pPr>
           </a:lstStyle>
           <a:p>
-            <a:endParaRPr lang="en-US"/>
+            <a:endParaRPr lang="en-US" dirty="0"/>
           </a:p>
         </p:txBody>
       </p:sp>
@@ -2914,7 +2914,7 @@
               <a:pPr/>
               <a:t>1/21/2008</a:t>
             </a:fld>
-            <a:endParaRPr lang="en-US"/>
+            <a:endParaRPr lang="en-US" dirty="0"/>
           </a:p>
         </p:txBody>
       </p:sp>
@@ -2933,7 +2933,7 @@
           <a:bodyPr/>
           <a:lstStyle/>
           <a:p>
-            <a:endParaRPr lang="en-US"/>
+            <a:endParaRPr lang="en-US" dirty="0"/>
           </a:p>
         </p:txBody>
       </p:sp>
@@ -2957,7 +2957,7 @@
               <a:pPr/>
               <a:t>‹#›</a:t>
             </a:fld>
-            <a:endParaRPr lang="en-US"/>
+            <a:endParaRPr lang="en-US" dirty="0"/>
           </a:p>
         </p:txBody>
       </p:sp>
@@ -3124,7 +3124,7 @@
               <a:pPr/>
               <a:t>1/21/2008</a:t>
             </a:fld>
-            <a:endParaRPr lang="en-US"/>
+            <a:endParaRPr lang="en-US" dirty="0"/>
           </a:p>
         </p:txBody>
       </p:sp>
@@ -3161,7 +3161,7 @@
             </a:lvl1pPr>
           </a:lstStyle>
           <a:p>
-            <a:endParaRPr lang="en-US"/>
+            <a:endParaRPr lang="en-US" dirty="0"/>
           </a:p>
         </p:txBody>
       </p:sp>
@@ -3203,7 +3203,7 @@
               <a:pPr/>
               <a:t>‹#›</a:t>
             </a:fld>
-            <a:endParaRPr lang="en-US"/>
+            <a:endParaRPr lang="en-US" dirty="0"/>
           </a:p>
         </p:txBody>
       </p:sp>
@@ -3576,7 +3576,7 @@
           <a:lstStyle/>
           <a:p>
             <a:pPr algn="ctr"/>
-            <a:endParaRPr lang="en-US"/>
+            <a:endParaRPr lang="en-US" dirty="0"/>
           </a:p>
         </p:txBody>
       </p:sp>
@@ -3615,7 +3615,7 @@
           <a:lstStyle/>
           <a:p>
             <a:pPr algn="ctr"/>
-            <a:endParaRPr lang="en-US"/>
+            <a:endParaRPr lang="en-US" dirty="0"/>
           </a:p>
         </p:txBody>
       </p:sp>
@@ -3696,10 +3696,9 @@
           <a:p>
             <a:pPr algn="ctr"/>
             <a:r>
-              <a:rPr lang="en-US" dirty="0" err="1"/>
+              <a:rPr lang="en-US" dirty="0"/>
               <a:t>span.rbtnbk</a:t>
             </a:r>
-            <a:endParaRPr lang="en-US" dirty="0"/>
           </a:p>
         </p:txBody>
       </p:sp>
@@ -3804,7 +3803,7 @@
           <a:lstStyle/>
           <a:p>
             <a:pPr algn="ctr"/>
-            <a:endParaRPr lang="en-US"/>
+            <a:endParaRPr lang="en-US" dirty="0"/>
           </a:p>
         </p:txBody>
       </p:sp>
@@ -3876,31 +3875,7 @@
             <a:pPr algn="ctr"/>
             <a:r>
               <a:rPr lang="en-US" sz="1050" dirty="0" smtClean="0"/>
-              <a:t>/zk3.0.1/</a:t>
-            </a:r>
-            <a:r>
-              <a:rPr lang="en-US" sz="1050" dirty="0" err="1" smtClean="0"/>
-              <a:t>zkau</a:t>
-            </a:r>
-            <a:r>
-              <a:rPr lang="en-US" sz="1050" dirty="0" smtClean="0"/>
-              <a:t>/web/</a:t>
-            </a:r>
-            <a:r>
-              <a:rPr lang="en-US" sz="1050" dirty="0" err="1" smtClean="0"/>
-              <a:t>zul</a:t>
-            </a:r>
-            <a:r>
-              <a:rPr lang="en-US" sz="1050" dirty="0" smtClean="0"/>
-              <a:t>/</a:t>
-            </a:r>
-            <a:r>
-              <a:rPr lang="en-US" sz="1050" dirty="0" err="1" smtClean="0"/>
-              <a:t>img</a:t>
-            </a:r>
-            <a:r>
-              <a:rPr lang="en-US" sz="1050" dirty="0" smtClean="0"/>
-              <a:t>/updnbtn.gif</a:t>
+              <a:t>/zk3.0.1/zkau/web/zul/img/updnbtn.gif</a:t>
             </a:r>
             <a:endParaRPr lang="en-US" sz="1050" dirty="0"/>
           </a:p>

--- a/zkdoc/styleguide/timebox-jeff.pptx
+++ b/zkdoc/styleguide/timebox-jeff.pptx
@@ -193,7 +193,7 @@
             <a:fld id="{58DB5118-5A2F-45FB-91B4-3C1B1F00FC1B}" type="datetimeFigureOut">
               <a:rPr lang="en-US" smtClean="0"/>
               <a:pPr/>
-              <a:t>1/21/2008</a:t>
+              <a:t>1/25/2008</a:t>
             </a:fld>
             <a:endParaRPr lang="en-US" dirty="0"/>
           </a:p>
@@ -723,7 +723,7 @@
             <a:fld id="{5F790AB9-8C3F-4647-A757-E0E99A6A2D61}" type="datetimeFigureOut">
               <a:rPr lang="en-US" smtClean="0"/>
               <a:pPr/>
-              <a:t>1/21/2008</a:t>
+              <a:t>1/25/2008</a:t>
             </a:fld>
             <a:endParaRPr lang="en-US" dirty="0"/>
           </a:p>
@@ -890,7 +890,7 @@
             <a:fld id="{5F790AB9-8C3F-4647-A757-E0E99A6A2D61}" type="datetimeFigureOut">
               <a:rPr lang="en-US" smtClean="0"/>
               <a:pPr/>
-              <a:t>1/21/2008</a:t>
+              <a:t>1/25/2008</a:t>
             </a:fld>
             <a:endParaRPr lang="en-US" dirty="0"/>
           </a:p>
@@ -1067,7 +1067,7 @@
             <a:fld id="{5F790AB9-8C3F-4647-A757-E0E99A6A2D61}" type="datetimeFigureOut">
               <a:rPr lang="en-US" smtClean="0"/>
               <a:pPr/>
-              <a:t>1/21/2008</a:t>
+              <a:t>1/25/2008</a:t>
             </a:fld>
             <a:endParaRPr lang="en-US" dirty="0"/>
           </a:p>
@@ -1234,7 +1234,7 @@
             <a:fld id="{5F790AB9-8C3F-4647-A757-E0E99A6A2D61}" type="datetimeFigureOut">
               <a:rPr lang="en-US" smtClean="0"/>
               <a:pPr/>
-              <a:t>1/21/2008</a:t>
+              <a:t>1/25/2008</a:t>
             </a:fld>
             <a:endParaRPr lang="en-US" dirty="0"/>
           </a:p>
@@ -1477,7 +1477,7 @@
             <a:fld id="{5F790AB9-8C3F-4647-A757-E0E99A6A2D61}" type="datetimeFigureOut">
               <a:rPr lang="en-US" smtClean="0"/>
               <a:pPr/>
-              <a:t>1/21/2008</a:t>
+              <a:t>1/25/2008</a:t>
             </a:fld>
             <a:endParaRPr lang="en-US" dirty="0"/>
           </a:p>
@@ -1762,7 +1762,7 @@
             <a:fld id="{5F790AB9-8C3F-4647-A757-E0E99A6A2D61}" type="datetimeFigureOut">
               <a:rPr lang="en-US" smtClean="0"/>
               <a:pPr/>
-              <a:t>1/21/2008</a:t>
+              <a:t>1/25/2008</a:t>
             </a:fld>
             <a:endParaRPr lang="en-US" dirty="0"/>
           </a:p>
@@ -2181,7 +2181,7 @@
             <a:fld id="{5F790AB9-8C3F-4647-A757-E0E99A6A2D61}" type="datetimeFigureOut">
               <a:rPr lang="en-US" smtClean="0"/>
               <a:pPr/>
-              <a:t>1/21/2008</a:t>
+              <a:t>1/25/2008</a:t>
             </a:fld>
             <a:endParaRPr lang="en-US" dirty="0"/>
           </a:p>
@@ -2296,7 +2296,7 @@
             <a:fld id="{5F790AB9-8C3F-4647-A757-E0E99A6A2D61}" type="datetimeFigureOut">
               <a:rPr lang="en-US" smtClean="0"/>
               <a:pPr/>
-              <a:t>1/21/2008</a:t>
+              <a:t>1/25/2008</a:t>
             </a:fld>
             <a:endParaRPr lang="en-US" dirty="0"/>
           </a:p>
@@ -2388,7 +2388,7 @@
             <a:fld id="{5F790AB9-8C3F-4647-A757-E0E99A6A2D61}" type="datetimeFigureOut">
               <a:rPr lang="en-US" smtClean="0"/>
               <a:pPr/>
-              <a:t>1/21/2008</a:t>
+              <a:t>1/25/2008</a:t>
             </a:fld>
             <a:endParaRPr lang="en-US" dirty="0"/>
           </a:p>
@@ -2662,7 +2662,7 @@
             <a:fld id="{5F790AB9-8C3F-4647-A757-E0E99A6A2D61}" type="datetimeFigureOut">
               <a:rPr lang="en-US" smtClean="0"/>
               <a:pPr/>
-              <a:t>1/21/2008</a:t>
+              <a:t>1/25/2008</a:t>
             </a:fld>
             <a:endParaRPr lang="en-US" dirty="0"/>
           </a:p>
@@ -2912,7 +2912,7 @@
             <a:fld id="{5F790AB9-8C3F-4647-A757-E0E99A6A2D61}" type="datetimeFigureOut">
               <a:rPr lang="en-US" smtClean="0"/>
               <a:pPr/>
-              <a:t>1/21/2008</a:t>
+              <a:t>1/25/2008</a:t>
             </a:fld>
             <a:endParaRPr lang="en-US" dirty="0"/>
           </a:p>
@@ -3122,7 +3122,7 @@
             <a:fld id="{5F790AB9-8C3F-4647-A757-E0E99A6A2D61}" type="datetimeFigureOut">
               <a:rPr lang="en-US" smtClean="0"/>
               <a:pPr/>
-              <a:t>1/21/2008</a:t>
+              <a:t>1/25/2008</a:t>
             </a:fld>
             <a:endParaRPr lang="en-US" dirty="0"/>
           </a:p>
@@ -3875,7 +3875,15 @@
             <a:pPr algn="ctr"/>
             <a:r>
               <a:rPr lang="en-US" sz="1050" dirty="0" smtClean="0"/>
-              <a:t>/zk3.0.1/zkau/web/zul/img/updnbtn.gif</a:t>
+              <a:t>${</a:t>
+            </a:r>
+            <a:r>
+              <a:rPr lang="en-US" sz="1050" i="1" dirty="0" smtClean="0"/>
+              <a:t>c:encodeURL(self.image</a:t>
+            </a:r>
+            <a:r>
+              <a:rPr lang="en-US" sz="1050" dirty="0" smtClean="0"/>
+              <a:t>)}"${self.buttonVisible?'':' style="display:none"</a:t>
             </a:r>
             <a:endParaRPr lang="en-US" sz="1050" dirty="0"/>
           </a:p>
